--- a/docs/Slides.pptx
+++ b/docs/Slides.pptx
@@ -4213,6 +4213,14 @@
             <a:endParaRPr lang="de-CH" dirty="0" smtClean="0"/>
           </a:p>
           <a:p>
+            <a:pPr lvl="2"/>
+            <a:r>
+              <a:rPr lang="de-CH" dirty="0" smtClean="0"/>
+              <a:t>Geplant war Formular, nach versuchen nicht verwendet und gelöscht</a:t>
+            </a:r>
+            <a:endParaRPr lang="de-CH" dirty="0" smtClean="0"/>
+          </a:p>
+          <a:p>
             <a:r>
               <a:rPr lang="de-CH" dirty="0" smtClean="0"/>
               <a:t>Task 11</a:t>
@@ -4225,7 +4233,7 @@
               <a:t>Google </a:t>
             </a:r>
             <a:r>
-              <a:rPr lang="de-CH" smtClean="0"/>
+              <a:rPr lang="de-CH" dirty="0" err="1" smtClean="0"/>
               <a:t>Maps</a:t>
             </a:r>
             <a:endParaRPr lang="de-CH" dirty="0"/>
@@ -4247,7 +4255,11 @@
           <a:bodyPr/>
           <a:lstStyle/>
           <a:p>
-            <a:endParaRPr lang="de-CH"/>
+            <a:r>
+              <a:rPr lang="de-CH" dirty="0" smtClean="0"/>
+              <a:t>Spezielle Tasks</a:t>
+            </a:r>
+            <a:endParaRPr lang="de-CH" dirty="0"/>
           </a:p>
         </p:txBody>
       </p:sp>

--- a/docs/Slides.pptx
+++ b/docs/Slides.pptx
@@ -9,6 +9,7 @@
     <p:sldId id="257" r:id="rId3"/>
     <p:sldId id="258" r:id="rId4"/>
     <p:sldId id="259" r:id="rId5"/>
+    <p:sldId id="260" r:id="rId6"/>
   </p:sldIdLst>
   <p:sldSz cx="9144000" cy="6858000" type="screen4x3"/>
   <p:notesSz cx="6858000" cy="9144000"/>
@@ -363,7 +364,7 @@
           <a:p>
             <a:fld id="{17AA1777-7AD0-44BB-AA97-A735FCC454E6}" type="datetimeFigureOut">
               <a:rPr lang="de-CH" smtClean="0"/>
-              <a:t>12.01.2014</a:t>
+              <a:t>14.01.2014</a:t>
             </a:fld>
             <a:endParaRPr lang="de-CH"/>
           </a:p>
@@ -576,7 +577,7 @@
           <a:p>
             <a:fld id="{17AA1777-7AD0-44BB-AA97-A735FCC454E6}" type="datetimeFigureOut">
               <a:rPr lang="de-CH" smtClean="0"/>
-              <a:t>12.01.2014</a:t>
+              <a:t>14.01.2014</a:t>
             </a:fld>
             <a:endParaRPr lang="de-CH"/>
           </a:p>
@@ -843,7 +844,7 @@
           <a:p>
             <a:fld id="{17AA1777-7AD0-44BB-AA97-A735FCC454E6}" type="datetimeFigureOut">
               <a:rPr lang="de-CH" smtClean="0"/>
-              <a:t>12.01.2014</a:t>
+              <a:t>14.01.2014</a:t>
             </a:fld>
             <a:endParaRPr lang="de-CH"/>
           </a:p>
@@ -993,7 +994,7 @@
           <a:p>
             <a:fld id="{17AA1777-7AD0-44BB-AA97-A735FCC454E6}" type="datetimeFigureOut">
               <a:rPr lang="de-CH" smtClean="0"/>
-              <a:t>12.01.2014</a:t>
+              <a:t>14.01.2014</a:t>
             </a:fld>
             <a:endParaRPr lang="de-CH"/>
           </a:p>
@@ -1323,7 +1324,7 @@
           <a:p>
             <a:fld id="{17AA1777-7AD0-44BB-AA97-A735FCC454E6}" type="datetimeFigureOut">
               <a:rPr lang="de-CH" smtClean="0"/>
-              <a:t>12.01.2014</a:t>
+              <a:t>14.01.2014</a:t>
             </a:fld>
             <a:endParaRPr lang="de-CH"/>
           </a:p>
@@ -1631,7 +1632,7 @@
           <a:p>
             <a:fld id="{17AA1777-7AD0-44BB-AA97-A735FCC454E6}" type="datetimeFigureOut">
               <a:rPr lang="de-CH" smtClean="0"/>
-              <a:t>12.01.2014</a:t>
+              <a:t>14.01.2014</a:t>
             </a:fld>
             <a:endParaRPr lang="de-CH"/>
           </a:p>
@@ -2052,7 +2053,7 @@
           <a:p>
             <a:fld id="{17AA1777-7AD0-44BB-AA97-A735FCC454E6}" type="datetimeFigureOut">
               <a:rPr lang="de-CH" smtClean="0"/>
-              <a:t>12.01.2014</a:t>
+              <a:t>14.01.2014</a:t>
             </a:fld>
             <a:endParaRPr lang="de-CH"/>
           </a:p>
@@ -2165,7 +2166,7 @@
           <a:p>
             <a:fld id="{17AA1777-7AD0-44BB-AA97-A735FCC454E6}" type="datetimeFigureOut">
               <a:rPr lang="de-CH" smtClean="0"/>
-              <a:t>12.01.2014</a:t>
+              <a:t>14.01.2014</a:t>
             </a:fld>
             <a:endParaRPr lang="de-CH"/>
           </a:p>
@@ -2324,7 +2325,7 @@
           <a:p>
             <a:fld id="{17AA1777-7AD0-44BB-AA97-A735FCC454E6}" type="datetimeFigureOut">
               <a:rPr lang="de-CH" smtClean="0"/>
-              <a:t>12.01.2014</a:t>
+              <a:t>14.01.2014</a:t>
             </a:fld>
             <a:endParaRPr lang="de-CH"/>
           </a:p>
@@ -2708,7 +2709,7 @@
           <a:p>
             <a:fld id="{17AA1777-7AD0-44BB-AA97-A735FCC454E6}" type="datetimeFigureOut">
               <a:rPr lang="de-CH" smtClean="0"/>
-              <a:t>12.01.2014</a:t>
+              <a:t>14.01.2014</a:t>
             </a:fld>
             <a:endParaRPr lang="de-CH"/>
           </a:p>
@@ -3070,7 +3071,7 @@
           <a:p>
             <a:fld id="{17AA1777-7AD0-44BB-AA97-A735FCC454E6}" type="datetimeFigureOut">
               <a:rPr lang="de-CH" smtClean="0"/>
-              <a:t>12.01.2014</a:t>
+              <a:t>14.01.2014</a:t>
             </a:fld>
             <a:endParaRPr lang="de-CH"/>
           </a:p>
@@ -3404,7 +3405,7 @@
           <a:p>
             <a:fld id="{17AA1777-7AD0-44BB-AA97-A735FCC454E6}" type="datetimeFigureOut">
               <a:rPr lang="de-CH" smtClean="0"/>
-              <a:t>12.01.2014</a:t>
+              <a:t>14.01.2014</a:t>
             </a:fld>
             <a:endParaRPr lang="de-CH"/>
           </a:p>
@@ -4001,9 +4002,10 @@
           </a:p>
           <a:p>
             <a:r>
-              <a:rPr lang="de-CH" dirty="0" smtClean="0"/>
-              <a:t>Task 6.1,6.3</a:t>
-            </a:r>
+              <a:rPr lang="de-CH" smtClean="0"/>
+              <a:t>Task 6.1-6.5</a:t>
+            </a:r>
+            <a:endParaRPr lang="de-CH" dirty="0" smtClean="0"/>
           </a:p>
           <a:p>
             <a:r>
@@ -4148,8 +4150,9 @@
             </a:r>
             <a:r>
               <a:rPr lang="de-CH" dirty="0" smtClean="0"/>
-              <a:t>.</a:t>
-            </a:r>
+              <a:t>. Erweiterung möglich.</a:t>
+            </a:r>
+            <a:endParaRPr lang="de-CH" dirty="0" smtClean="0"/>
           </a:p>
           <a:p>
             <a:r>
@@ -4218,7 +4221,6 @@
               <a:rPr lang="de-CH" dirty="0" smtClean="0"/>
               <a:t>Geplant war Formular, nach versuchen nicht verwendet und gelöscht</a:t>
             </a:r>
-            <a:endParaRPr lang="de-CH" dirty="0" smtClean="0"/>
           </a:p>
           <a:p>
             <a:r>
@@ -4235,6 +4237,10 @@
             <a:r>
               <a:rPr lang="de-CH" dirty="0" err="1" smtClean="0"/>
               <a:t>Maps</a:t>
+            </a:r>
+            <a:r>
+              <a:rPr lang="de-CH" dirty="0" smtClean="0"/>
+              <a:t> API Webservice</a:t>
             </a:r>
             <a:endParaRPr lang="de-CH" dirty="0"/>
           </a:p>
@@ -4267,6 +4273,110 @@
     <p:extLst>
       <p:ext uri="{BB962C8B-B14F-4D97-AF65-F5344CB8AC3E}">
         <p14:creationId xmlns:p14="http://schemas.microsoft.com/office/powerpoint/2010/main" val="2032797275"/>
+      </p:ext>
+    </p:extLst>
+  </p:cSld>
+  <p:clrMapOvr>
+    <a:masterClrMapping/>
+  </p:clrMapOvr>
+</p:sld>
+</file>
+
+<file path=ppt/slides/slide5.xml><?xml version="1.0" encoding="utf-8"?>
+<p:sld xmlns:a="http://schemas.openxmlformats.org/drawingml/2006/main" xmlns:r="http://schemas.openxmlformats.org/officeDocument/2006/relationships" xmlns:p="http://schemas.openxmlformats.org/presentationml/2006/main">
+  <p:cSld>
+    <p:spTree>
+      <p:nvGrpSpPr>
+        <p:cNvPr id="1" name=""/>
+        <p:cNvGrpSpPr/>
+        <p:nvPr/>
+      </p:nvGrpSpPr>
+      <p:grpSpPr>
+        <a:xfrm>
+          <a:off x="0" y="0"/>
+          <a:ext cx="0" cy="0"/>
+          <a:chOff x="0" y="0"/>
+          <a:chExt cx="0" cy="0"/>
+        </a:xfrm>
+      </p:grpSpPr>
+      <p:sp>
+        <p:nvSpPr>
+          <p:cNvPr id="2" name="Inhaltsplatzhalter 1"/>
+          <p:cNvSpPr>
+            <a:spLocks noGrp="1"/>
+          </p:cNvSpPr>
+          <p:nvPr>
+            <p:ph idx="1"/>
+          </p:nvPr>
+        </p:nvSpPr>
+        <p:spPr/>
+        <p:txBody>
+          <a:bodyPr/>
+          <a:lstStyle/>
+          <a:p>
+            <a:r>
+              <a:rPr lang="de-CH" dirty="0" smtClean="0"/>
+              <a:t>10.1 Datenbank Schema</a:t>
+            </a:r>
+          </a:p>
+          <a:p>
+            <a:endParaRPr lang="de-CH" dirty="0"/>
+          </a:p>
+        </p:txBody>
+      </p:sp>
+      <p:sp>
+        <p:nvSpPr>
+          <p:cNvPr id="3" name="Titel 2"/>
+          <p:cNvSpPr>
+            <a:spLocks noGrp="1"/>
+          </p:cNvSpPr>
+          <p:nvPr>
+            <p:ph type="title"/>
+          </p:nvPr>
+        </p:nvSpPr>
+        <p:spPr/>
+        <p:txBody>
+          <a:bodyPr/>
+          <a:lstStyle/>
+          <a:p>
+            <a:endParaRPr lang="de-CH"/>
+          </a:p>
+        </p:txBody>
+      </p:sp>
+      <p:pic>
+        <p:nvPicPr>
+          <p:cNvPr id="4" name="Grafik 3"/>
+          <p:cNvPicPr>
+            <a:picLocks noChangeAspect="1"/>
+          </p:cNvPicPr>
+          <p:nvPr/>
+        </p:nvPicPr>
+        <p:blipFill>
+          <a:blip r:embed="rId2">
+            <a:extLst>
+              <a:ext uri="{28A0092B-C50C-407E-A947-70E740481C1C}">
+                <a14:useLocalDpi xmlns:a14="http://schemas.microsoft.com/office/drawing/2010/main" val="0"/>
+              </a:ext>
+            </a:extLst>
+          </a:blip>
+          <a:stretch>
+            <a:fillRect/>
+          </a:stretch>
+        </p:blipFill>
+        <p:spPr>
+          <a:xfrm>
+            <a:off x="539552" y="2204864"/>
+            <a:ext cx="7507224" cy="3927348"/>
+          </a:xfrm>
+          <a:prstGeom prst="rect">
+            <a:avLst/>
+          </a:prstGeom>
+        </p:spPr>
+      </p:pic>
+    </p:spTree>
+    <p:extLst>
+      <p:ext uri="{BB962C8B-B14F-4D97-AF65-F5344CB8AC3E}">
+        <p14:creationId xmlns:p14="http://schemas.microsoft.com/office/powerpoint/2010/main" val="2150434584"/>
       </p:ext>
     </p:extLst>
   </p:cSld>

--- a/docs/Slides.pptx
+++ b/docs/Slides.pptx
@@ -3872,6 +3872,13 @@
   <p:clrMapOvr>
     <a:masterClrMapping/>
   </p:clrMapOvr>
+  <p:timing>
+    <p:tnLst>
+      <p:par>
+        <p:cTn id="1" dur="indefinite" restart="never" nodeType="tmRoot"/>
+      </p:par>
+    </p:tnLst>
+  </p:timing>
 </p:sld>
 </file>
 
@@ -3909,8 +3916,22 @@
           <a:p>
             <a:r>
               <a:rPr lang="de-CH" dirty="0" smtClean="0"/>
+              <a:t>HTML</a:t>
+            </a:r>
+          </a:p>
+          <a:p>
+            <a:r>
+              <a:rPr lang="de-CH" dirty="0" smtClean="0"/>
+              <a:t>CSS</a:t>
+            </a:r>
+            <a:endParaRPr lang="de-CH" dirty="0" smtClean="0"/>
+          </a:p>
+          <a:p>
+            <a:r>
+              <a:rPr lang="de-CH" dirty="0" smtClean="0"/>
               <a:t>PHP</a:t>
             </a:r>
+            <a:endParaRPr lang="de-CH" dirty="0" smtClean="0"/>
           </a:p>
           <a:p>
             <a:r>
@@ -3960,6 +3981,13 @@
   <p:clrMapOvr>
     <a:masterClrMapping/>
   </p:clrMapOvr>
+  <p:timing>
+    <p:tnLst>
+      <p:par>
+        <p:cTn id="1" dur="indefinite" restart="never" nodeType="tmRoot"/>
+      </p:par>
+    </p:tnLst>
+  </p:timing>
 </p:sld>
 </file>
 
@@ -4002,10 +4030,9 @@
           </a:p>
           <a:p>
             <a:r>
-              <a:rPr lang="de-CH" smtClean="0"/>
+              <a:rPr lang="de-CH" dirty="0" smtClean="0"/>
               <a:t>Task 6.1-6.5</a:t>
             </a:r>
-            <a:endParaRPr lang="de-CH" dirty="0" smtClean="0"/>
           </a:p>
           <a:p>
             <a:r>
@@ -4035,12 +4062,6 @@
             <a:r>
               <a:rPr lang="de-CH" dirty="0" smtClean="0"/>
               <a:t>Task 11</a:t>
-            </a:r>
-          </a:p>
-          <a:p>
-            <a:r>
-              <a:rPr lang="de-CH" dirty="0" smtClean="0"/>
-              <a:t>Informationen zu einzelnen Task auf folgenden Folien</a:t>
             </a:r>
           </a:p>
           <a:p>
@@ -4093,6 +4114,13 @@
   <p:clrMapOvr>
     <a:masterClrMapping/>
   </p:clrMapOvr>
+  <p:timing>
+    <p:tnLst>
+      <p:par>
+        <p:cTn id="1" dur="indefinite" restart="never" nodeType="tmRoot"/>
+      </p:par>
+    </p:tnLst>
+  </p:timing>
 </p:sld>
 </file>
 
@@ -4150,9 +4178,12 @@
             </a:r>
             <a:r>
               <a:rPr lang="de-CH" dirty="0" smtClean="0"/>
-              <a:t>. Erweiterung möglich.</a:t>
-            </a:r>
-            <a:endParaRPr lang="de-CH" dirty="0" smtClean="0"/>
+              <a:t> über Session. </a:t>
+            </a:r>
+            <a:r>
+              <a:rPr lang="de-CH" dirty="0" smtClean="0"/>
+              <a:t>Erweiterung möglich.</a:t>
+            </a:r>
           </a:p>
           <a:p>
             <a:r>
@@ -4262,8 +4293,8 @@
           <a:lstStyle/>
           <a:p>
             <a:r>
-              <a:rPr lang="de-CH" dirty="0" smtClean="0"/>
-              <a:t>Spezielle Tasks</a:t>
+              <a:rPr lang="de-CH" smtClean="0"/>
+              <a:t>Einzelne Tasks</a:t>
             </a:r>
             <a:endParaRPr lang="de-CH" dirty="0"/>
           </a:p>
@@ -4279,6 +4310,13 @@
   <p:clrMapOvr>
     <a:masterClrMapping/>
   </p:clrMapOvr>
+  <p:timing>
+    <p:tnLst>
+      <p:par>
+        <p:cTn id="1" dur="indefinite" restart="never" nodeType="tmRoot"/>
+      </p:par>
+    </p:tnLst>
+  </p:timing>
 </p:sld>
 </file>
 
@@ -4383,6 +4421,13 @@
   <p:clrMapOvr>
     <a:masterClrMapping/>
   </p:clrMapOvr>
+  <p:timing>
+    <p:tnLst>
+      <p:par>
+        <p:cTn id="1" dur="indefinite" restart="never" nodeType="tmRoot"/>
+      </p:par>
+    </p:tnLst>
+  </p:timing>
 </p:sld>
 </file>
 
